--- a/UI Automated Testing.pptx
+++ b/UI Automated Testing.pptx
@@ -288,7 +288,7 @@
           <a:p>
             <a:fld id="{4FE53161-9C51-46A0-A967-764048209AD1}" type="datetimeFigureOut">
               <a:rPr lang="en-US" smtClean="0"/>
-              <a:t>7/10/2018</a:t>
+              <a:t>7/25/2018</a:t>
             </a:fld>
             <a:endParaRPr lang="en-US"/>
           </a:p>
@@ -618,7 +618,7 @@
           <a:p>
             <a:fld id="{4FE53161-9C51-46A0-A967-764048209AD1}" type="datetimeFigureOut">
               <a:rPr lang="en-US" smtClean="0"/>
-              <a:t>7/10/2018</a:t>
+              <a:t>7/25/2018</a:t>
             </a:fld>
             <a:endParaRPr lang="en-US"/>
           </a:p>
@@ -798,7 +798,7 @@
           <a:p>
             <a:fld id="{4FE53161-9C51-46A0-A967-764048209AD1}" type="datetimeFigureOut">
               <a:rPr lang="en-US" smtClean="0"/>
-              <a:t>7/10/2018</a:t>
+              <a:t>7/25/2018</a:t>
             </a:fld>
             <a:endParaRPr lang="en-US"/>
           </a:p>
@@ -968,7 +968,7 @@
           <a:p>
             <a:fld id="{4FE53161-9C51-46A0-A967-764048209AD1}" type="datetimeFigureOut">
               <a:rPr lang="en-US" smtClean="0"/>
-              <a:t>7/10/2018</a:t>
+              <a:t>7/25/2018</a:t>
             </a:fld>
             <a:endParaRPr lang="en-US"/>
           </a:p>
@@ -1245,7 +1245,7 @@
           <a:p>
             <a:fld id="{4FE53161-9C51-46A0-A967-764048209AD1}" type="datetimeFigureOut">
               <a:rPr lang="en-US" smtClean="0"/>
-              <a:t>7/10/2018</a:t>
+              <a:t>7/25/2018</a:t>
             </a:fld>
             <a:endParaRPr lang="en-US"/>
           </a:p>
@@ -1639,7 +1639,7 @@
           <a:p>
             <a:fld id="{4FE53161-9C51-46A0-A967-764048209AD1}" type="datetimeFigureOut">
               <a:rPr lang="en-US" smtClean="0"/>
-              <a:t>7/10/2018</a:t>
+              <a:t>7/25/2018</a:t>
             </a:fld>
             <a:endParaRPr lang="en-US"/>
           </a:p>
@@ -2116,7 +2116,7 @@
           <a:p>
             <a:fld id="{4FE53161-9C51-46A0-A967-764048209AD1}" type="datetimeFigureOut">
               <a:rPr lang="en-US" smtClean="0"/>
-              <a:t>7/10/2018</a:t>
+              <a:t>7/25/2018</a:t>
             </a:fld>
             <a:endParaRPr lang="en-US"/>
           </a:p>
@@ -2234,7 +2234,7 @@
           <a:p>
             <a:fld id="{4FE53161-9C51-46A0-A967-764048209AD1}" type="datetimeFigureOut">
               <a:rPr lang="en-US" smtClean="0"/>
-              <a:t>7/10/2018</a:t>
+              <a:t>7/25/2018</a:t>
             </a:fld>
             <a:endParaRPr lang="en-US"/>
           </a:p>
@@ -2329,7 +2329,7 @@
           <a:p>
             <a:fld id="{4FE53161-9C51-46A0-A967-764048209AD1}" type="datetimeFigureOut">
               <a:rPr lang="en-US" smtClean="0"/>
-              <a:t>7/10/2018</a:t>
+              <a:t>7/25/2018</a:t>
             </a:fld>
             <a:endParaRPr lang="en-US"/>
           </a:p>
@@ -2675,7 +2675,7 @@
           <a:p>
             <a:fld id="{4FE53161-9C51-46A0-A967-764048209AD1}" type="datetimeFigureOut">
               <a:rPr lang="en-US" smtClean="0"/>
-              <a:t>7/10/2018</a:t>
+              <a:t>7/25/2018</a:t>
             </a:fld>
             <a:endParaRPr lang="en-US"/>
           </a:p>
@@ -3063,7 +3063,7 @@
           <a:p>
             <a:fld id="{4FE53161-9C51-46A0-A967-764048209AD1}" type="datetimeFigureOut">
               <a:rPr lang="en-US" smtClean="0"/>
-              <a:t>7/10/2018</a:t>
+              <a:t>7/25/2018</a:t>
             </a:fld>
             <a:endParaRPr lang="en-US"/>
           </a:p>
@@ -3341,7 +3341,7 @@
           <a:p>
             <a:fld id="{4FE53161-9C51-46A0-A967-764048209AD1}" type="datetimeFigureOut">
               <a:rPr lang="en-US" smtClean="0"/>
-              <a:t>7/10/2018</a:t>
+              <a:t>7/25/2018</a:t>
             </a:fld>
             <a:endParaRPr lang="en-US"/>
           </a:p>
@@ -4645,18 +4645,7 @@
               <a:rPr lang="en-US" dirty="0">
                 <a:hlinkClick r:id="rId2"/>
               </a:rPr>
-              <a:t>GitHub</a:t>
-            </a:r>
-            <a:endParaRPr lang="en-US" dirty="0"/>
-          </a:p>
-          <a:p>
-            <a:r>
-              <a:rPr lang="en-US" dirty="0"/>
-              <a:t>@</a:t>
-            </a:r>
-            <a:r>
-              <a:rPr lang="en-US" dirty="0" err="1"/>
-              <a:t>jperktweets</a:t>
+              <a:t>Follow me on Twitter</a:t>
             </a:r>
             <a:endParaRPr lang="en-US" dirty="0"/>
           </a:p>
@@ -4665,8 +4654,29 @@
               <a:rPr lang="en-US" dirty="0">
                 <a:hlinkClick r:id="rId3"/>
               </a:rPr>
-              <a:t>www.gemcityit.com</a:t>
-            </a:r>
+              <a:t>Follow me on GitHub</a:t>
+            </a:r>
+            <a:endParaRPr lang="en-US" dirty="0"/>
+          </a:p>
+          <a:p>
+            <a:r>
+              <a:rPr lang="en-US" dirty="0">
+                <a:hlinkClick r:id="rId4"/>
+              </a:rPr>
+              <a:t>Selenium HQ</a:t>
+            </a:r>
+            <a:endParaRPr lang="en-US" dirty="0"/>
+          </a:p>
+          <a:p>
+            <a:r>
+              <a:rPr lang="en-US" dirty="0">
+                <a:hlinkClick r:id="rId5"/>
+              </a:rPr>
+              <a:t>The GitHub Repository</a:t>
+            </a:r>
+            <a:endParaRPr lang="en-US" dirty="0"/>
+          </a:p>
+          <a:p>
             <a:endParaRPr lang="en-US" dirty="0"/>
           </a:p>
           <a:p>
